--- a/Python/Sidji-Prezentacija2.pptx
+++ b/Python/Sidji-Prezentacija2.pptx
@@ -14,6 +14,15 @@
     <p:sldId id="262" r:id="rId8"/>
     <p:sldId id="263" r:id="rId9"/>
     <p:sldId id="264" r:id="rId10"/>
+    <p:sldId id="265" r:id="rId11"/>
+    <p:sldId id="266" r:id="rId12"/>
+    <p:sldId id="267" r:id="rId13"/>
+    <p:sldId id="268" r:id="rId14"/>
+    <p:sldId id="269" r:id="rId15"/>
+    <p:sldId id="270" r:id="rId16"/>
+    <p:sldId id="271" r:id="rId17"/>
+    <p:sldId id="272" r:id="rId18"/>
+    <p:sldId id="273" r:id="rId19"/>
   </p:sldIdLst>
   <p:sldSz cx="12192000" cy="6858000"/>
   <p:notesSz cx="6858000" cy="9144000"/>
@@ -394,7 +403,7 @@
           <a:p>
             <a:fld id="{BD126B65-D02D-4A36-BFE4-3D16482D8DC0}" type="datetimeFigureOut">
               <a:rPr lang="en-US" smtClean="0"/>
-              <a:t>22/06/2016</a:t>
+              <a:t>27/06/2016</a:t>
             </a:fld>
             <a:endParaRPr lang="en-US"/>
           </a:p>
@@ -808,7 +817,7 @@
           <a:p>
             <a:fld id="{BD126B65-D02D-4A36-BFE4-3D16482D8DC0}" type="datetimeFigureOut">
               <a:rPr lang="en-US" smtClean="0"/>
-              <a:t>22/06/2016</a:t>
+              <a:t>27/06/2016</a:t>
             </a:fld>
             <a:endParaRPr lang="en-US"/>
           </a:p>
@@ -1144,7 +1153,7 @@
           <a:p>
             <a:fld id="{BD126B65-D02D-4A36-BFE4-3D16482D8DC0}" type="datetimeFigureOut">
               <a:rPr lang="en-US" smtClean="0"/>
-              <a:t>22/06/2016</a:t>
+              <a:t>27/06/2016</a:t>
             </a:fld>
             <a:endParaRPr lang="en-US"/>
           </a:p>
@@ -1549,7 +1558,7 @@
           <a:p>
             <a:fld id="{BD126B65-D02D-4A36-BFE4-3D16482D8DC0}" type="datetimeFigureOut">
               <a:rPr lang="en-US" smtClean="0"/>
-              <a:t>22/06/2016</a:t>
+              <a:t>27/06/2016</a:t>
             </a:fld>
             <a:endParaRPr lang="en-US"/>
           </a:p>
@@ -2117,7 +2126,7 @@
           <a:p>
             <a:fld id="{BD126B65-D02D-4A36-BFE4-3D16482D8DC0}" type="datetimeFigureOut">
               <a:rPr lang="en-US" smtClean="0"/>
-              <a:t>22/06/2016</a:t>
+              <a:t>27/06/2016</a:t>
             </a:fld>
             <a:endParaRPr lang="en-US"/>
           </a:p>
@@ -2798,7 +2807,7 @@
           <a:p>
             <a:fld id="{BD126B65-D02D-4A36-BFE4-3D16482D8DC0}" type="datetimeFigureOut">
               <a:rPr lang="en-US" smtClean="0"/>
-              <a:t>22/06/2016</a:t>
+              <a:t>27/06/2016</a:t>
             </a:fld>
             <a:endParaRPr lang="en-US"/>
           </a:p>
@@ -3711,7 +3720,7 @@
           <a:p>
             <a:fld id="{BD126B65-D02D-4A36-BFE4-3D16482D8DC0}" type="datetimeFigureOut">
               <a:rPr lang="en-US" smtClean="0"/>
-              <a:t>22/06/2016</a:t>
+              <a:t>27/06/2016</a:t>
             </a:fld>
             <a:endParaRPr lang="en-US"/>
           </a:p>
@@ -4024,7 +4033,7 @@
           <a:p>
             <a:fld id="{BD126B65-D02D-4A36-BFE4-3D16482D8DC0}" type="datetimeFigureOut">
               <a:rPr lang="en-US" smtClean="0"/>
-              <a:t>22/06/2016</a:t>
+              <a:t>27/06/2016</a:t>
             </a:fld>
             <a:endParaRPr lang="en-US"/>
           </a:p>
@@ -4288,7 +4297,7 @@
           <a:p>
             <a:fld id="{BD126B65-D02D-4A36-BFE4-3D16482D8DC0}" type="datetimeFigureOut">
               <a:rPr lang="en-US" smtClean="0"/>
-              <a:t>22/06/2016</a:t>
+              <a:t>27/06/2016</a:t>
             </a:fld>
             <a:endParaRPr lang="en-US"/>
           </a:p>
@@ -4629,7 +4638,7 @@
           <a:p>
             <a:fld id="{BD126B65-D02D-4A36-BFE4-3D16482D8DC0}" type="datetimeFigureOut">
               <a:rPr lang="en-US" smtClean="0"/>
-              <a:t>22/06/2016</a:t>
+              <a:t>27/06/2016</a:t>
             </a:fld>
             <a:endParaRPr lang="en-US"/>
           </a:p>
@@ -5018,7 +5027,7 @@
           <a:p>
             <a:fld id="{BD126B65-D02D-4A36-BFE4-3D16482D8DC0}" type="datetimeFigureOut">
               <a:rPr lang="en-US" smtClean="0"/>
-              <a:t>22/06/2016</a:t>
+              <a:t>27/06/2016</a:t>
             </a:fld>
             <a:endParaRPr lang="en-US"/>
           </a:p>
@@ -5394,7 +5403,7 @@
           <a:p>
             <a:fld id="{BD126B65-D02D-4A36-BFE4-3D16482D8DC0}" type="datetimeFigureOut">
               <a:rPr lang="en-US" smtClean="0"/>
-              <a:t>22/06/2016</a:t>
+              <a:t>27/06/2016</a:t>
             </a:fld>
             <a:endParaRPr lang="en-US"/>
           </a:p>
@@ -5900,7 +5909,7 @@
           <a:p>
             <a:fld id="{BD126B65-D02D-4A36-BFE4-3D16482D8DC0}" type="datetimeFigureOut">
               <a:rPr lang="en-US" smtClean="0"/>
-              <a:t>22/06/2016</a:t>
+              <a:t>27/06/2016</a:t>
             </a:fld>
             <a:endParaRPr lang="en-US"/>
           </a:p>
@@ -6157,7 +6166,7 @@
           <a:p>
             <a:fld id="{BD126B65-D02D-4A36-BFE4-3D16482D8DC0}" type="datetimeFigureOut">
               <a:rPr lang="en-US" smtClean="0"/>
-              <a:t>22/06/2016</a:t>
+              <a:t>27/06/2016</a:t>
             </a:fld>
             <a:endParaRPr lang="en-US"/>
           </a:p>
@@ -6320,7 +6329,7 @@
           <a:p>
             <a:fld id="{BD126B65-D02D-4A36-BFE4-3D16482D8DC0}" type="datetimeFigureOut">
               <a:rPr lang="en-US" smtClean="0"/>
-              <a:t>22/06/2016</a:t>
+              <a:t>27/06/2016</a:t>
             </a:fld>
             <a:endParaRPr lang="en-US"/>
           </a:p>
@@ -6710,7 +6719,7 @@
           <a:p>
             <a:fld id="{BD126B65-D02D-4A36-BFE4-3D16482D8DC0}" type="datetimeFigureOut">
               <a:rPr lang="en-US" smtClean="0"/>
-              <a:t>22/06/2016</a:t>
+              <a:t>27/06/2016</a:t>
             </a:fld>
             <a:endParaRPr lang="en-US"/>
           </a:p>
@@ -7119,7 +7128,7 @@
           <a:p>
             <a:fld id="{BD126B65-D02D-4A36-BFE4-3D16482D8DC0}" type="datetimeFigureOut">
               <a:rPr lang="en-US" smtClean="0"/>
-              <a:t>22/06/2016</a:t>
+              <a:t>27/06/2016</a:t>
             </a:fld>
             <a:endParaRPr lang="en-US"/>
           </a:p>
@@ -7363,7 +7372,7 @@
           <a:p>
             <a:fld id="{BD126B65-D02D-4A36-BFE4-3D16482D8DC0}" type="datetimeFigureOut">
               <a:rPr lang="en-US" smtClean="0"/>
-              <a:t>22/06/2016</a:t>
+              <a:t>27/06/2016</a:t>
             </a:fld>
             <a:endParaRPr lang="en-US"/>
           </a:p>
@@ -7914,11 +7923,7 @@
             </a:r>
             <a:r>
               <a:rPr lang="sr-Latn-RS" sz="2600" b="1" dirty="0" smtClean="0"/>
-              <a:t>Predmet</a:t>
-            </a:r>
-            <a:r>
-              <a:rPr lang="sr-Latn-RS" sz="2600" b="1" dirty="0" smtClean="0"/>
-              <a:t>: </a:t>
+              <a:t>Predmet: </a:t>
             </a:r>
             <a:r>
               <a:rPr lang="sr-Latn-RS" sz="2600" dirty="0" smtClean="0"/>
@@ -7990,11 +7995,7 @@
             </a:r>
             <a:r>
               <a:rPr lang="en-US" sz="2600" dirty="0" smtClean="0"/>
-              <a:t>, </a:t>
-            </a:r>
-            <a:r>
-              <a:rPr lang="en-US" sz="2600" dirty="0" smtClean="0"/>
-              <a:t>2015.</a:t>
+              <a:t>, 2015.</a:t>
             </a:r>
             <a:endParaRPr lang="en-US" sz="2600" dirty="0"/>
           </a:p>
@@ -8020,6 +8021,929 @@
 </p:sld>
 </file>
 
+<file path=ppt/slides/slide10.xml><?xml version="1.0" encoding="utf-8"?>
+<p:sld xmlns:a="http://schemas.openxmlformats.org/drawingml/2006/main" xmlns:r="http://schemas.openxmlformats.org/officeDocument/2006/relationships" xmlns:p="http://schemas.openxmlformats.org/presentationml/2006/main">
+  <p:cSld>
+    <p:spTree>
+      <p:nvGrpSpPr>
+        <p:cNvPr id="1" name=""/>
+        <p:cNvGrpSpPr/>
+        <p:nvPr/>
+      </p:nvGrpSpPr>
+      <p:grpSpPr>
+        <a:xfrm>
+          <a:off x="0" y="0"/>
+          <a:ext cx="0" cy="0"/>
+          <a:chOff x="0" y="0"/>
+          <a:chExt cx="0" cy="0"/>
+        </a:xfrm>
+      </p:grpSpPr>
+      <p:sp>
+        <p:nvSpPr>
+          <p:cNvPr id="2" name="Title 1"/>
+          <p:cNvSpPr>
+            <a:spLocks noGrp="1"/>
+          </p:cNvSpPr>
+          <p:nvPr>
+            <p:ph type="title"/>
+          </p:nvPr>
+        </p:nvSpPr>
+        <p:spPr/>
+        <p:txBody>
+          <a:bodyPr/>
+          <a:lstStyle/>
+          <a:p>
+            <a:r>
+              <a:rPr lang="en-US" i="1" dirty="0" smtClean="0"/>
+              <a:t>Plan “B” 3</a:t>
+            </a:r>
+            <a:endParaRPr lang="en-US" i="1" dirty="0"/>
+          </a:p>
+        </p:txBody>
+      </p:sp>
+      <p:pic>
+        <p:nvPicPr>
+          <p:cNvPr id="4" name="Content Placeholder 3"/>
+          <p:cNvPicPr>
+            <a:picLocks noGrp="1" noChangeAspect="1"/>
+          </p:cNvPicPr>
+          <p:nvPr>
+            <p:ph idx="1"/>
+          </p:nvPr>
+        </p:nvPicPr>
+        <p:blipFill>
+          <a:blip r:embed="rId2"/>
+          <a:stretch>
+            <a:fillRect/>
+          </a:stretch>
+        </p:blipFill>
+        <p:spPr>
+          <a:xfrm>
+            <a:off x="680321" y="2187944"/>
+            <a:ext cx="4623007" cy="3598863"/>
+          </a:xfrm>
+          <a:prstGeom prst="rect">
+            <a:avLst/>
+          </a:prstGeom>
+        </p:spPr>
+      </p:pic>
+      <p:sp>
+        <p:nvSpPr>
+          <p:cNvPr id="5" name="TextBox 4"/>
+          <p:cNvSpPr txBox="1"/>
+          <p:nvPr/>
+        </p:nvSpPr>
+        <p:spPr>
+          <a:xfrm>
+            <a:off x="680321" y="5955919"/>
+            <a:ext cx="3659466" cy="369332"/>
+          </a:xfrm>
+          <a:prstGeom prst="rect">
+            <a:avLst/>
+          </a:prstGeom>
+          <a:noFill/>
+        </p:spPr>
+        <p:txBody>
+          <a:bodyPr wrap="square" rtlCol="0">
+            <a:spAutoFit/>
+          </a:bodyPr>
+          <a:lstStyle/>
+          <a:p>
+            <a:r>
+              <a:rPr lang="en-US" dirty="0" smtClean="0"/>
+              <a:t>Primer </a:t>
+            </a:r>
+            <a:r>
+              <a:rPr lang="en-US" dirty="0" err="1" smtClean="0"/>
+              <a:t>kako</a:t>
+            </a:r>
+            <a:r>
+              <a:rPr lang="en-US" dirty="0" smtClean="0"/>
+              <a:t> </a:t>
+            </a:r>
+            <a:r>
+              <a:rPr lang="en-US" dirty="0" err="1" smtClean="0"/>
+              <a:t>ispravno</a:t>
+            </a:r>
+            <a:r>
+              <a:rPr lang="en-US" dirty="0" smtClean="0"/>
+              <a:t> </a:t>
+            </a:r>
+            <a:r>
+              <a:rPr lang="en-US" dirty="0" err="1" smtClean="0"/>
+              <a:t>selektuje</a:t>
+            </a:r>
+            <a:endParaRPr lang="en-US" dirty="0"/>
+          </a:p>
+        </p:txBody>
+      </p:sp>
+    </p:spTree>
+    <p:extLst>
+      <p:ext uri="{BB962C8B-B14F-4D97-AF65-F5344CB8AC3E}">
+        <p14:creationId xmlns:p14="http://schemas.microsoft.com/office/powerpoint/2010/main" val="1424583473"/>
+      </p:ext>
+    </p:extLst>
+  </p:cSld>
+  <p:clrMapOvr>
+    <a:masterClrMapping/>
+  </p:clrMapOvr>
+</p:sld>
+</file>
+
+<file path=ppt/slides/slide11.xml><?xml version="1.0" encoding="utf-8"?>
+<p:sld xmlns:a="http://schemas.openxmlformats.org/drawingml/2006/main" xmlns:r="http://schemas.openxmlformats.org/officeDocument/2006/relationships" xmlns:p="http://schemas.openxmlformats.org/presentationml/2006/main">
+  <p:cSld>
+    <p:spTree>
+      <p:nvGrpSpPr>
+        <p:cNvPr id="1" name=""/>
+        <p:cNvGrpSpPr/>
+        <p:nvPr/>
+      </p:nvGrpSpPr>
+      <p:grpSpPr>
+        <a:xfrm>
+          <a:off x="0" y="0"/>
+          <a:ext cx="0" cy="0"/>
+          <a:chOff x="0" y="0"/>
+          <a:chExt cx="0" cy="0"/>
+        </a:xfrm>
+      </p:grpSpPr>
+      <p:sp>
+        <p:nvSpPr>
+          <p:cNvPr id="2" name="Title 1"/>
+          <p:cNvSpPr>
+            <a:spLocks noGrp="1"/>
+          </p:cNvSpPr>
+          <p:nvPr>
+            <p:ph type="title"/>
+          </p:nvPr>
+        </p:nvSpPr>
+        <p:spPr/>
+        <p:txBody>
+          <a:bodyPr/>
+          <a:lstStyle/>
+          <a:p>
+            <a:r>
+              <a:rPr lang="sr-Latn-RS" i="1" dirty="0"/>
+              <a:t>Prepoznavanje </a:t>
+            </a:r>
+            <a:r>
+              <a:rPr lang="sr-Latn-RS" i="1" dirty="0" smtClean="0"/>
+              <a:t>saobraćajnih znakova</a:t>
+            </a:r>
+            <a:endParaRPr lang="en-US" dirty="0"/>
+          </a:p>
+        </p:txBody>
+      </p:sp>
+      <p:sp>
+        <p:nvSpPr>
+          <p:cNvPr id="3" name="Content Placeholder 2"/>
+          <p:cNvSpPr>
+            <a:spLocks noGrp="1"/>
+          </p:cNvSpPr>
+          <p:nvPr>
+            <p:ph idx="1"/>
+          </p:nvPr>
+        </p:nvSpPr>
+        <p:spPr/>
+        <p:txBody>
+          <a:bodyPr/>
+          <a:lstStyle/>
+          <a:p>
+            <a:r>
+              <a:rPr lang="sr-Latn-RS" dirty="0" smtClean="0"/>
+              <a:t>Najbolje rešenje?</a:t>
+            </a:r>
+          </a:p>
+          <a:p>
+            <a:pPr lvl="1"/>
+            <a:r>
+              <a:rPr lang="sr-Latn-RS" dirty="0" smtClean="0"/>
+              <a:t>Kombinacija „A“ i „B“ ?</a:t>
+            </a:r>
+          </a:p>
+          <a:p>
+            <a:pPr lvl="1"/>
+            <a:endParaRPr lang="en-US" dirty="0"/>
+          </a:p>
+        </p:txBody>
+      </p:sp>
+    </p:spTree>
+    <p:extLst>
+      <p:ext uri="{BB962C8B-B14F-4D97-AF65-F5344CB8AC3E}">
+        <p14:creationId xmlns:p14="http://schemas.microsoft.com/office/powerpoint/2010/main" val="3678491684"/>
+      </p:ext>
+    </p:extLst>
+  </p:cSld>
+  <p:clrMapOvr>
+    <a:masterClrMapping/>
+  </p:clrMapOvr>
+</p:sld>
+</file>
+
+<file path=ppt/slides/slide12.xml><?xml version="1.0" encoding="utf-8"?>
+<p:sld xmlns:a="http://schemas.openxmlformats.org/drawingml/2006/main" xmlns:r="http://schemas.openxmlformats.org/officeDocument/2006/relationships" xmlns:p="http://schemas.openxmlformats.org/presentationml/2006/main">
+  <p:cSld>
+    <p:spTree>
+      <p:nvGrpSpPr>
+        <p:cNvPr id="1" name=""/>
+        <p:cNvGrpSpPr/>
+        <p:nvPr/>
+      </p:nvGrpSpPr>
+      <p:grpSpPr>
+        <a:xfrm>
+          <a:off x="0" y="0"/>
+          <a:ext cx="0" cy="0"/>
+          <a:chOff x="0" y="0"/>
+          <a:chExt cx="0" cy="0"/>
+        </a:xfrm>
+      </p:grpSpPr>
+      <p:sp>
+        <p:nvSpPr>
+          <p:cNvPr id="2" name="Title 1"/>
+          <p:cNvSpPr>
+            <a:spLocks noGrp="1"/>
+          </p:cNvSpPr>
+          <p:nvPr>
+            <p:ph type="title"/>
+          </p:nvPr>
+        </p:nvSpPr>
+        <p:spPr/>
+        <p:txBody>
+          <a:bodyPr/>
+          <a:lstStyle/>
+          <a:p>
+            <a:r>
+              <a:rPr lang="sr-Latn-RS" i="1" dirty="0"/>
+              <a:t>Detekcija ivica </a:t>
+            </a:r>
+            <a:r>
+              <a:rPr lang="sr-Latn-RS" i="1" dirty="0" smtClean="0"/>
+              <a:t>puta 1</a:t>
+            </a:r>
+            <a:endParaRPr lang="en-US" i="1" dirty="0"/>
+          </a:p>
+        </p:txBody>
+      </p:sp>
+      <p:sp>
+        <p:nvSpPr>
+          <p:cNvPr id="3" name="Content Placeholder 2"/>
+          <p:cNvSpPr>
+            <a:spLocks noGrp="1"/>
+          </p:cNvSpPr>
+          <p:nvPr>
+            <p:ph idx="1"/>
+          </p:nvPr>
+        </p:nvSpPr>
+        <p:spPr/>
+        <p:txBody>
+          <a:bodyPr/>
+          <a:lstStyle/>
+          <a:p>
+            <a:r>
+              <a:rPr lang="sr-Latn-RS" dirty="0" smtClean="0"/>
+              <a:t>Uzeti u obzir samo označeni putevi sa 2 trake</a:t>
+            </a:r>
+          </a:p>
+          <a:p>
+            <a:r>
+              <a:rPr lang="sr-Latn-RS" dirty="0" smtClean="0"/>
+              <a:t>Rešava se pomoću Hough-ovih linijskih transformacija</a:t>
+            </a:r>
+          </a:p>
+          <a:p>
+            <a:r>
+              <a:rPr lang="sr-Latn-RS" dirty="0" smtClean="0"/>
+              <a:t>Postupak:</a:t>
+            </a:r>
+          </a:p>
+          <a:p>
+            <a:pPr lvl="1"/>
+            <a:r>
+              <a:rPr lang="sr-Latn-RS" dirty="0" smtClean="0"/>
+              <a:t>Učitavanje slike</a:t>
+            </a:r>
+          </a:p>
+          <a:p>
+            <a:pPr lvl="1"/>
+            <a:r>
+              <a:rPr lang="sr-Latn-RS" dirty="0" smtClean="0"/>
+              <a:t>Prebacivanje u gray sistem boja</a:t>
+            </a:r>
+          </a:p>
+          <a:p>
+            <a:pPr lvl="1"/>
+            <a:r>
+              <a:rPr lang="sr-Latn-RS" dirty="0" smtClean="0"/>
+              <a:t>Zamagljivanje slike Gaussian filterom</a:t>
+            </a:r>
+          </a:p>
+          <a:p>
+            <a:pPr lvl="1"/>
+            <a:r>
+              <a:rPr lang="sr-Latn-RS" dirty="0" smtClean="0"/>
+              <a:t>Pronalaženje ivica na slici putem Canny algoritma</a:t>
+            </a:r>
+          </a:p>
+          <a:p>
+            <a:pPr lvl="1"/>
+            <a:r>
+              <a:rPr lang="sr-Latn-RS" dirty="0" smtClean="0"/>
+              <a:t>Detektovanje linija sa HoughLines transformacijom</a:t>
+            </a:r>
+          </a:p>
+          <a:p>
+            <a:pPr lvl="1"/>
+            <a:r>
+              <a:rPr lang="sr-Latn-RS" dirty="0" smtClean="0"/>
+              <a:t>Iscrtavanje rezultata</a:t>
+            </a:r>
+            <a:endParaRPr lang="en-US" dirty="0"/>
+          </a:p>
+        </p:txBody>
+      </p:sp>
+    </p:spTree>
+    <p:extLst>
+      <p:ext uri="{BB962C8B-B14F-4D97-AF65-F5344CB8AC3E}">
+        <p14:creationId xmlns:p14="http://schemas.microsoft.com/office/powerpoint/2010/main" val="4193212012"/>
+      </p:ext>
+    </p:extLst>
+  </p:cSld>
+  <p:clrMapOvr>
+    <a:masterClrMapping/>
+  </p:clrMapOvr>
+</p:sld>
+</file>
+
+<file path=ppt/slides/slide13.xml><?xml version="1.0" encoding="utf-8"?>
+<p:sld xmlns:a="http://schemas.openxmlformats.org/drawingml/2006/main" xmlns:r="http://schemas.openxmlformats.org/officeDocument/2006/relationships" xmlns:p="http://schemas.openxmlformats.org/presentationml/2006/main">
+  <p:cSld>
+    <p:spTree>
+      <p:nvGrpSpPr>
+        <p:cNvPr id="1" name=""/>
+        <p:cNvGrpSpPr/>
+        <p:nvPr/>
+      </p:nvGrpSpPr>
+      <p:grpSpPr>
+        <a:xfrm>
+          <a:off x="0" y="0"/>
+          <a:ext cx="0" cy="0"/>
+          <a:chOff x="0" y="0"/>
+          <a:chExt cx="0" cy="0"/>
+        </a:xfrm>
+      </p:grpSpPr>
+      <p:sp>
+        <p:nvSpPr>
+          <p:cNvPr id="2" name="Title 1"/>
+          <p:cNvSpPr>
+            <a:spLocks noGrp="1"/>
+          </p:cNvSpPr>
+          <p:nvPr>
+            <p:ph type="title"/>
+          </p:nvPr>
+        </p:nvSpPr>
+        <p:spPr/>
+        <p:txBody>
+          <a:bodyPr/>
+          <a:lstStyle/>
+          <a:p>
+            <a:r>
+              <a:rPr lang="sr-Latn-RS" i="1" dirty="0"/>
+              <a:t>Detekcija ivica puta </a:t>
+            </a:r>
+            <a:r>
+              <a:rPr lang="sr-Latn-RS" i="1" dirty="0" smtClean="0"/>
+              <a:t>2</a:t>
+            </a:r>
+            <a:endParaRPr lang="en-US" dirty="0"/>
+          </a:p>
+        </p:txBody>
+      </p:sp>
+      <p:pic>
+        <p:nvPicPr>
+          <p:cNvPr id="4" name="Content Placeholder 3"/>
+          <p:cNvPicPr>
+            <a:picLocks noGrp="1" noChangeAspect="1"/>
+          </p:cNvPicPr>
+          <p:nvPr>
+            <p:ph idx="1"/>
+          </p:nvPr>
+        </p:nvPicPr>
+        <p:blipFill>
+          <a:blip r:embed="rId2"/>
+          <a:stretch>
+            <a:fillRect/>
+          </a:stretch>
+        </p:blipFill>
+        <p:spPr>
+          <a:xfrm>
+            <a:off x="680321" y="2421861"/>
+            <a:ext cx="4581048" cy="3177928"/>
+          </a:xfrm>
+          <a:prstGeom prst="rect">
+            <a:avLst/>
+          </a:prstGeom>
+        </p:spPr>
+      </p:pic>
+      <p:pic>
+        <p:nvPicPr>
+          <p:cNvPr id="6" name="Picture 5"/>
+          <p:cNvPicPr>
+            <a:picLocks noChangeAspect="1"/>
+          </p:cNvPicPr>
+          <p:nvPr/>
+        </p:nvPicPr>
+        <p:blipFill>
+          <a:blip r:embed="rId3"/>
+          <a:stretch>
+            <a:fillRect/>
+          </a:stretch>
+        </p:blipFill>
+        <p:spPr>
+          <a:xfrm>
+            <a:off x="5713134" y="2421861"/>
+            <a:ext cx="4581048" cy="3177928"/>
+          </a:xfrm>
+          <a:prstGeom prst="rect">
+            <a:avLst/>
+          </a:prstGeom>
+        </p:spPr>
+      </p:pic>
+    </p:spTree>
+    <p:extLst>
+      <p:ext uri="{BB962C8B-B14F-4D97-AF65-F5344CB8AC3E}">
+        <p14:creationId xmlns:p14="http://schemas.microsoft.com/office/powerpoint/2010/main" val="3110478881"/>
+      </p:ext>
+    </p:extLst>
+  </p:cSld>
+  <p:clrMapOvr>
+    <a:masterClrMapping/>
+  </p:clrMapOvr>
+</p:sld>
+</file>
+
+<file path=ppt/slides/slide14.xml><?xml version="1.0" encoding="utf-8"?>
+<p:sld xmlns:a="http://schemas.openxmlformats.org/drawingml/2006/main" xmlns:r="http://schemas.openxmlformats.org/officeDocument/2006/relationships" xmlns:p="http://schemas.openxmlformats.org/presentationml/2006/main">
+  <p:cSld>
+    <p:spTree>
+      <p:nvGrpSpPr>
+        <p:cNvPr id="1" name=""/>
+        <p:cNvGrpSpPr/>
+        <p:nvPr/>
+      </p:nvGrpSpPr>
+      <p:grpSpPr>
+        <a:xfrm>
+          <a:off x="0" y="0"/>
+          <a:ext cx="0" cy="0"/>
+          <a:chOff x="0" y="0"/>
+          <a:chExt cx="0" cy="0"/>
+        </a:xfrm>
+      </p:grpSpPr>
+      <p:sp>
+        <p:nvSpPr>
+          <p:cNvPr id="2" name="Title 1"/>
+          <p:cNvSpPr>
+            <a:spLocks noGrp="1"/>
+          </p:cNvSpPr>
+          <p:nvPr>
+            <p:ph type="title"/>
+          </p:nvPr>
+        </p:nvSpPr>
+        <p:spPr/>
+        <p:txBody>
+          <a:bodyPr/>
+          <a:lstStyle/>
+          <a:p>
+            <a:r>
+              <a:rPr lang="sr-Latn-RS" i="1" dirty="0"/>
+              <a:t>Detekcija ivica puta </a:t>
+            </a:r>
+            <a:r>
+              <a:rPr lang="sr-Latn-RS" i="1" dirty="0" smtClean="0"/>
+              <a:t>3</a:t>
+            </a:r>
+            <a:endParaRPr lang="en-US" dirty="0"/>
+          </a:p>
+        </p:txBody>
+      </p:sp>
+      <p:pic>
+        <p:nvPicPr>
+          <p:cNvPr id="4" name="Content Placeholder 3"/>
+          <p:cNvPicPr>
+            <a:picLocks noGrp="1" noChangeAspect="1"/>
+          </p:cNvPicPr>
+          <p:nvPr>
+            <p:ph idx="1"/>
+          </p:nvPr>
+        </p:nvPicPr>
+        <p:blipFill>
+          <a:blip r:embed="rId2"/>
+          <a:stretch>
+            <a:fillRect/>
+          </a:stretch>
+        </p:blipFill>
+        <p:spPr>
+          <a:xfrm>
+            <a:off x="680321" y="2358066"/>
+            <a:ext cx="4593428" cy="3186516"/>
+          </a:xfrm>
+          <a:prstGeom prst="rect">
+            <a:avLst/>
+          </a:prstGeom>
+        </p:spPr>
+      </p:pic>
+      <p:pic>
+        <p:nvPicPr>
+          <p:cNvPr id="5" name="Picture 4"/>
+          <p:cNvPicPr>
+            <a:picLocks noChangeAspect="1"/>
+          </p:cNvPicPr>
+          <p:nvPr/>
+        </p:nvPicPr>
+        <p:blipFill>
+          <a:blip r:embed="rId3"/>
+          <a:stretch>
+            <a:fillRect/>
+          </a:stretch>
+        </p:blipFill>
+        <p:spPr>
+          <a:xfrm>
+            <a:off x="5838855" y="2358066"/>
+            <a:ext cx="4593428" cy="3186516"/>
+          </a:xfrm>
+          <a:prstGeom prst="rect">
+            <a:avLst/>
+          </a:prstGeom>
+        </p:spPr>
+      </p:pic>
+    </p:spTree>
+    <p:extLst>
+      <p:ext uri="{BB962C8B-B14F-4D97-AF65-F5344CB8AC3E}">
+        <p14:creationId xmlns:p14="http://schemas.microsoft.com/office/powerpoint/2010/main" val="3498022679"/>
+      </p:ext>
+    </p:extLst>
+  </p:cSld>
+  <p:clrMapOvr>
+    <a:masterClrMapping/>
+  </p:clrMapOvr>
+</p:sld>
+</file>
+
+<file path=ppt/slides/slide15.xml><?xml version="1.0" encoding="utf-8"?>
+<p:sld xmlns:a="http://schemas.openxmlformats.org/drawingml/2006/main" xmlns:r="http://schemas.openxmlformats.org/officeDocument/2006/relationships" xmlns:p="http://schemas.openxmlformats.org/presentationml/2006/main">
+  <p:cSld>
+    <p:spTree>
+      <p:nvGrpSpPr>
+        <p:cNvPr id="1" name=""/>
+        <p:cNvGrpSpPr/>
+        <p:nvPr/>
+      </p:nvGrpSpPr>
+      <p:grpSpPr>
+        <a:xfrm>
+          <a:off x="0" y="0"/>
+          <a:ext cx="0" cy="0"/>
+          <a:chOff x="0" y="0"/>
+          <a:chExt cx="0" cy="0"/>
+        </a:xfrm>
+      </p:grpSpPr>
+      <p:sp>
+        <p:nvSpPr>
+          <p:cNvPr id="2" name="Title 1"/>
+          <p:cNvSpPr>
+            <a:spLocks noGrp="1"/>
+          </p:cNvSpPr>
+          <p:nvPr>
+            <p:ph type="title"/>
+          </p:nvPr>
+        </p:nvSpPr>
+        <p:spPr/>
+        <p:txBody>
+          <a:bodyPr/>
+          <a:lstStyle/>
+          <a:p>
+            <a:r>
+              <a:rPr lang="sr-Latn-RS" i="1" dirty="0"/>
+              <a:t>Detekcija ivica puta </a:t>
+            </a:r>
+            <a:r>
+              <a:rPr lang="sr-Latn-RS" i="1" dirty="0" smtClean="0"/>
+              <a:t>4</a:t>
+            </a:r>
+            <a:endParaRPr lang="en-US" dirty="0"/>
+          </a:p>
+        </p:txBody>
+      </p:sp>
+      <p:pic>
+        <p:nvPicPr>
+          <p:cNvPr id="4" name="Content Placeholder 3"/>
+          <p:cNvPicPr>
+            <a:picLocks noGrp="1" noChangeAspect="1"/>
+          </p:cNvPicPr>
+          <p:nvPr>
+            <p:ph idx="1"/>
+          </p:nvPr>
+        </p:nvPicPr>
+        <p:blipFill>
+          <a:blip r:embed="rId2"/>
+          <a:stretch>
+            <a:fillRect/>
+          </a:stretch>
+        </p:blipFill>
+        <p:spPr>
+          <a:xfrm>
+            <a:off x="2894071" y="2336800"/>
+            <a:ext cx="5187834" cy="3598863"/>
+          </a:xfrm>
+          <a:prstGeom prst="rect">
+            <a:avLst/>
+          </a:prstGeom>
+        </p:spPr>
+      </p:pic>
+    </p:spTree>
+    <p:extLst>
+      <p:ext uri="{BB962C8B-B14F-4D97-AF65-F5344CB8AC3E}">
+        <p14:creationId xmlns:p14="http://schemas.microsoft.com/office/powerpoint/2010/main" val="4055898228"/>
+      </p:ext>
+    </p:extLst>
+  </p:cSld>
+  <p:clrMapOvr>
+    <a:masterClrMapping/>
+  </p:clrMapOvr>
+</p:sld>
+</file>
+
+<file path=ppt/slides/slide16.xml><?xml version="1.0" encoding="utf-8"?>
+<p:sld xmlns:a="http://schemas.openxmlformats.org/drawingml/2006/main" xmlns:r="http://schemas.openxmlformats.org/officeDocument/2006/relationships" xmlns:p="http://schemas.openxmlformats.org/presentationml/2006/main">
+  <p:cSld>
+    <p:spTree>
+      <p:nvGrpSpPr>
+        <p:cNvPr id="1" name=""/>
+        <p:cNvGrpSpPr/>
+        <p:nvPr/>
+      </p:nvGrpSpPr>
+      <p:grpSpPr>
+        <a:xfrm>
+          <a:off x="0" y="0"/>
+          <a:ext cx="0" cy="0"/>
+          <a:chOff x="0" y="0"/>
+          <a:chExt cx="0" cy="0"/>
+        </a:xfrm>
+      </p:grpSpPr>
+      <p:sp>
+        <p:nvSpPr>
+          <p:cNvPr id="2" name="Title 1"/>
+          <p:cNvSpPr>
+            <a:spLocks noGrp="1"/>
+          </p:cNvSpPr>
+          <p:nvPr>
+            <p:ph type="title"/>
+          </p:nvPr>
+        </p:nvSpPr>
+        <p:spPr/>
+        <p:txBody>
+          <a:bodyPr/>
+          <a:lstStyle/>
+          <a:p>
+            <a:r>
+              <a:rPr lang="sr-Latn-RS" i="1" dirty="0"/>
+              <a:t>Detekcija ivica puta </a:t>
+            </a:r>
+            <a:r>
+              <a:rPr lang="sr-Latn-RS" i="1" dirty="0" smtClean="0"/>
+              <a:t>5</a:t>
+            </a:r>
+            <a:endParaRPr lang="en-US" dirty="0"/>
+          </a:p>
+        </p:txBody>
+      </p:sp>
+      <p:sp>
+        <p:nvSpPr>
+          <p:cNvPr id="3" name="Content Placeholder 2"/>
+          <p:cNvSpPr>
+            <a:spLocks noGrp="1"/>
+          </p:cNvSpPr>
+          <p:nvPr>
+            <p:ph idx="1"/>
+          </p:nvPr>
+        </p:nvSpPr>
+        <p:spPr/>
+        <p:txBody>
+          <a:bodyPr/>
+          <a:lstStyle/>
+          <a:p>
+            <a:r>
+              <a:rPr lang="sr-Latn-RS" dirty="0" smtClean="0"/>
+              <a:t>Problemi:</a:t>
+            </a:r>
+          </a:p>
+          <a:p>
+            <a:pPr lvl="1"/>
+            <a:r>
+              <a:rPr lang="sr-Latn-RS" dirty="0" smtClean="0"/>
+              <a:t>Prave linije</a:t>
+            </a:r>
+          </a:p>
+          <a:p>
+            <a:pPr lvl="1"/>
+            <a:r>
+              <a:rPr lang="sr-Latn-RS" dirty="0" smtClean="0"/>
+              <a:t>Dužina</a:t>
+            </a:r>
+            <a:endParaRPr lang="en-US" dirty="0"/>
+          </a:p>
+        </p:txBody>
+      </p:sp>
+    </p:spTree>
+    <p:extLst>
+      <p:ext uri="{BB962C8B-B14F-4D97-AF65-F5344CB8AC3E}">
+        <p14:creationId xmlns:p14="http://schemas.microsoft.com/office/powerpoint/2010/main" val="1937321184"/>
+      </p:ext>
+    </p:extLst>
+  </p:cSld>
+  <p:clrMapOvr>
+    <a:masterClrMapping/>
+  </p:clrMapOvr>
+</p:sld>
+</file>
+
+<file path=ppt/slides/slide17.xml><?xml version="1.0" encoding="utf-8"?>
+<p:sld xmlns:a="http://schemas.openxmlformats.org/drawingml/2006/main" xmlns:r="http://schemas.openxmlformats.org/officeDocument/2006/relationships" xmlns:p="http://schemas.openxmlformats.org/presentationml/2006/main">
+  <p:cSld>
+    <p:spTree>
+      <p:nvGrpSpPr>
+        <p:cNvPr id="1" name=""/>
+        <p:cNvGrpSpPr/>
+        <p:nvPr/>
+      </p:nvGrpSpPr>
+      <p:grpSpPr>
+        <a:xfrm>
+          <a:off x="0" y="0"/>
+          <a:ext cx="0" cy="0"/>
+          <a:chOff x="0" y="0"/>
+          <a:chExt cx="0" cy="0"/>
+        </a:xfrm>
+      </p:grpSpPr>
+      <p:sp>
+        <p:nvSpPr>
+          <p:cNvPr id="2" name="Title 1"/>
+          <p:cNvSpPr>
+            <a:spLocks noGrp="1"/>
+          </p:cNvSpPr>
+          <p:nvPr>
+            <p:ph type="title"/>
+          </p:nvPr>
+        </p:nvSpPr>
+        <p:spPr/>
+        <p:txBody>
+          <a:bodyPr/>
+          <a:lstStyle/>
+          <a:p>
+            <a:r>
+              <a:rPr lang="sr-Latn-RS" i="1" dirty="0" smtClean="0"/>
+              <a:t>Moguća poboljšanja</a:t>
+            </a:r>
+            <a:endParaRPr lang="en-US" i="1" dirty="0"/>
+          </a:p>
+        </p:txBody>
+      </p:sp>
+      <p:sp>
+        <p:nvSpPr>
+          <p:cNvPr id="3" name="Content Placeholder 2"/>
+          <p:cNvSpPr>
+            <a:spLocks noGrp="1"/>
+          </p:cNvSpPr>
+          <p:nvPr>
+            <p:ph idx="1"/>
+          </p:nvPr>
+        </p:nvSpPr>
+        <p:spPr/>
+        <p:txBody>
+          <a:bodyPr/>
+          <a:lstStyle/>
+          <a:p>
+            <a:r>
+              <a:rPr lang="sr-Latn-RS" dirty="0" smtClean="0"/>
+              <a:t>Bolja selekcija region (kombinacija)</a:t>
+            </a:r>
+          </a:p>
+          <a:p>
+            <a:r>
+              <a:rPr lang="sr-Latn-RS" dirty="0" smtClean="0"/>
+              <a:t>Rotacija regiona (ako ima svrhe)</a:t>
+            </a:r>
+          </a:p>
+          <a:p>
+            <a:endParaRPr lang="sr-Latn-RS" dirty="0" smtClean="0"/>
+          </a:p>
+          <a:p>
+            <a:r>
+              <a:rPr lang="sr-Latn-RS" dirty="0" smtClean="0"/>
+              <a:t>Bolja neuronska mreža</a:t>
+            </a:r>
+          </a:p>
+          <a:p>
+            <a:r>
+              <a:rPr lang="sr-Latn-RS" dirty="0" smtClean="0"/>
+              <a:t>Mnogo veći dataset</a:t>
+            </a:r>
+          </a:p>
+          <a:p>
+            <a:endParaRPr lang="sr-Latn-RS" dirty="0"/>
+          </a:p>
+          <a:p>
+            <a:r>
+              <a:rPr lang="sr-Latn-RS" dirty="0" smtClean="0"/>
+              <a:t>Povezivanje sa kamerom</a:t>
+            </a:r>
+            <a:endParaRPr lang="en-US" dirty="0"/>
+          </a:p>
+        </p:txBody>
+      </p:sp>
+    </p:spTree>
+    <p:extLst>
+      <p:ext uri="{BB962C8B-B14F-4D97-AF65-F5344CB8AC3E}">
+        <p14:creationId xmlns:p14="http://schemas.microsoft.com/office/powerpoint/2010/main" val="2989977343"/>
+      </p:ext>
+    </p:extLst>
+  </p:cSld>
+  <p:clrMapOvr>
+    <a:masterClrMapping/>
+  </p:clrMapOvr>
+</p:sld>
+</file>
+
+<file path=ppt/slides/slide18.xml><?xml version="1.0" encoding="utf-8"?>
+<p:sld xmlns:a="http://schemas.openxmlformats.org/drawingml/2006/main" xmlns:r="http://schemas.openxmlformats.org/officeDocument/2006/relationships" xmlns:p="http://schemas.openxmlformats.org/presentationml/2006/main">
+  <p:cSld>
+    <p:spTree>
+      <p:nvGrpSpPr>
+        <p:cNvPr id="1" name=""/>
+        <p:cNvGrpSpPr/>
+        <p:nvPr/>
+      </p:nvGrpSpPr>
+      <p:grpSpPr>
+        <a:xfrm>
+          <a:off x="0" y="0"/>
+          <a:ext cx="0" cy="0"/>
+          <a:chOff x="0" y="0"/>
+          <a:chExt cx="0" cy="0"/>
+        </a:xfrm>
+      </p:grpSpPr>
+      <p:sp>
+        <p:nvSpPr>
+          <p:cNvPr id="2" name="Title 1"/>
+          <p:cNvSpPr>
+            <a:spLocks noGrp="1"/>
+          </p:cNvSpPr>
+          <p:nvPr>
+            <p:ph type="title"/>
+          </p:nvPr>
+        </p:nvSpPr>
+        <p:spPr/>
+        <p:txBody>
+          <a:bodyPr/>
+          <a:lstStyle/>
+          <a:p>
+            <a:pPr algn="ctr"/>
+            <a:r>
+              <a:rPr lang="sr-Latn-RS" i="1" dirty="0" smtClean="0"/>
+              <a:t>Hvala na pažnji!</a:t>
+            </a:r>
+            <a:endParaRPr lang="en-US" i="1" dirty="0"/>
+          </a:p>
+        </p:txBody>
+      </p:sp>
+      <p:sp>
+        <p:nvSpPr>
+          <p:cNvPr id="3" name="Content Placeholder 2"/>
+          <p:cNvSpPr>
+            <a:spLocks noGrp="1"/>
+          </p:cNvSpPr>
+          <p:nvPr>
+            <p:ph idx="1"/>
+          </p:nvPr>
+        </p:nvSpPr>
+        <p:spPr/>
+        <p:txBody>
+          <a:bodyPr/>
+          <a:lstStyle/>
+          <a:p>
+            <a:endParaRPr lang="en-US" dirty="0"/>
+          </a:p>
+        </p:txBody>
+      </p:sp>
+    </p:spTree>
+    <p:extLst>
+      <p:ext uri="{BB962C8B-B14F-4D97-AF65-F5344CB8AC3E}">
+        <p14:creationId xmlns:p14="http://schemas.microsoft.com/office/powerpoint/2010/main" val="3995265896"/>
+      </p:ext>
+    </p:extLst>
+  </p:cSld>
+  <p:clrMapOvr>
+    <a:masterClrMapping/>
+  </p:clrMapOvr>
+</p:sld>
+</file>
+
 <file path=ppt/slides/slide2.xml><?xml version="1.0" encoding="utf-8"?>
 <p:sld xmlns:a="http://schemas.openxmlformats.org/drawingml/2006/main" xmlns:r="http://schemas.openxmlformats.org/officeDocument/2006/relationships" xmlns:p="http://schemas.openxmlformats.org/presentationml/2006/main">
   <p:cSld>
@@ -8080,28 +9004,51 @@
           <a:lstStyle/>
           <a:p>
             <a:r>
+              <a:rPr lang="en-US" i="1" dirty="0" err="1" smtClean="0"/>
+              <a:t>Cilj</a:t>
+            </a:r>
+            <a:endParaRPr lang="sr-Latn-RS" i="1" dirty="0" smtClean="0"/>
+          </a:p>
+          <a:p>
+            <a:r>
               <a:rPr lang="sr-Latn-RS" i="1" dirty="0" smtClean="0"/>
-              <a:t>Motivacija</a:t>
-            </a:r>
+              <a:t>Prepoznavanje saobraćajnih znakova</a:t>
+            </a:r>
+            <a:endParaRPr lang="en-US" i="1" dirty="0" smtClean="0"/>
+          </a:p>
+          <a:p>
+            <a:pPr lvl="1"/>
+            <a:r>
+              <a:rPr lang="en-US" i="1" dirty="0" smtClean="0"/>
+              <a:t>Plan “A”</a:t>
+            </a:r>
+          </a:p>
+          <a:p>
+            <a:pPr lvl="1"/>
+            <a:r>
+              <a:rPr lang="en-US" i="1" dirty="0" smtClean="0"/>
+              <a:t>Plan “B”</a:t>
+            </a:r>
+            <a:endParaRPr lang="sr-Latn-RS" i="1" dirty="0" smtClean="0"/>
           </a:p>
           <a:p>
             <a:r>
               <a:rPr lang="sr-Latn-RS" i="1" dirty="0" smtClean="0"/>
-              <a:t>Ideja</a:t>
+              <a:t>Detekcija ivica puta</a:t>
             </a:r>
           </a:p>
           <a:p>
             <a:r>
               <a:rPr lang="sr-Latn-RS" i="1" dirty="0" smtClean="0"/>
-              <a:t>Slična rešenja u domenu projekta</a:t>
-            </a:r>
-          </a:p>
-          <a:p>
-            <a:r>
-              <a:rPr lang="sr-Latn-RS" i="1" dirty="0" smtClean="0"/>
-              <a:t>Koraci implementacije</a:t>
-            </a:r>
-            <a:endParaRPr lang="en-US" i="1" dirty="0"/>
+              <a:t>Moguća poboljšanja</a:t>
+            </a:r>
+            <a:endParaRPr lang="en-US" i="1" dirty="0" smtClean="0"/>
+          </a:p>
+          <a:p>
+            <a:pPr marL="0" indent="0">
+              <a:buNone/>
+            </a:pPr>
+            <a:endParaRPr lang="sr-Latn-RS" i="1" dirty="0" smtClean="0"/>
           </a:p>
         </p:txBody>
       </p:sp>
@@ -8159,85 +9106,123 @@
           <a:p>
             <a:r>
               <a:rPr lang="en-US" i="1" dirty="0" err="1" smtClean="0"/>
-              <a:t>Motivacija</a:t>
+              <a:t>Cilj</a:t>
+            </a:r>
+            <a:r>
+              <a:rPr lang="en-US" i="1" dirty="0" smtClean="0"/>
+              <a:t>? </a:t>
+            </a:r>
+            <a:r>
+              <a:rPr lang="en-US" i="1" dirty="0" err="1" smtClean="0"/>
+              <a:t>Postignut</a:t>
+            </a:r>
+            <a:r>
+              <a:rPr lang="en-US" i="1" dirty="0" smtClean="0"/>
+              <a:t>!</a:t>
             </a:r>
             <a:endParaRPr lang="en-US" i="1" dirty="0"/>
           </a:p>
         </p:txBody>
       </p:sp>
-      <p:sp>
-        <p:nvSpPr>
-          <p:cNvPr id="3" name="Content Placeholder 2"/>
-          <p:cNvSpPr>
-            <a:spLocks noGrp="1"/>
-          </p:cNvSpPr>
+      <p:pic>
+        <p:nvPicPr>
+          <p:cNvPr id="7" name="Content Placeholder 6"/>
+          <p:cNvPicPr>
+            <a:picLocks noGrp="1" noChangeAspect="1"/>
+          </p:cNvPicPr>
           <p:nvPr>
             <p:ph idx="1"/>
           </p:nvPr>
-        </p:nvSpPr>
-        <p:spPr/>
-        <p:txBody>
-          <a:bodyPr/>
-          <a:lstStyle/>
-          <a:p>
-            <a:r>
-              <a:rPr lang="en-US" dirty="0" err="1" smtClean="0"/>
-              <a:t>Iskoristiti</a:t>
-            </a:r>
-            <a:r>
-              <a:rPr lang="en-US" dirty="0" smtClean="0"/>
-              <a:t> </a:t>
-            </a:r>
-            <a:r>
-              <a:rPr lang="en-US" dirty="0" err="1" smtClean="0"/>
-              <a:t>znanje</a:t>
-            </a:r>
-            <a:r>
-              <a:rPr lang="en-US" dirty="0" smtClean="0"/>
-              <a:t> </a:t>
-            </a:r>
-            <a:r>
-              <a:rPr lang="en-US" dirty="0" err="1" smtClean="0"/>
-              <a:t>sa</a:t>
-            </a:r>
-            <a:r>
-              <a:rPr lang="en-US" dirty="0" smtClean="0"/>
-              <a:t> </a:t>
-            </a:r>
-            <a:r>
-              <a:rPr lang="en-US" dirty="0" err="1" smtClean="0"/>
-              <a:t>ve</a:t>
-            </a:r>
-            <a:r>
-              <a:rPr lang="sr-Latn-RS" dirty="0" smtClean="0"/>
-              <a:t>žbi, proširiti ga i primeniti na neki sličan problem</a:t>
-            </a:r>
-          </a:p>
-          <a:p>
-            <a:r>
-              <a:rPr lang="sr-Latn-RS" dirty="0" smtClean="0"/>
-              <a:t>Pokušati samostalno realizovati rešenje naočigled jednostavnog problema</a:t>
-            </a:r>
-          </a:p>
-        </p:txBody>
-      </p:sp>
+        </p:nvPicPr>
+        <p:blipFill>
+          <a:blip r:embed="rId2">
+            <a:extLst>
+              <a:ext uri="{28A0092B-C50C-407E-A947-70E740481C1C}">
+                <a14:useLocalDpi xmlns:a14="http://schemas.microsoft.com/office/drawing/2010/main" val="0"/>
+              </a:ext>
+            </a:extLst>
+          </a:blip>
+          <a:stretch>
+            <a:fillRect/>
+          </a:stretch>
+        </p:blipFill>
+        <p:spPr>
+          <a:xfrm>
+            <a:off x="866369" y="2112057"/>
+            <a:ext cx="4267200" cy="2857500"/>
+          </a:xfrm>
+        </p:spPr>
+      </p:pic>
+      <p:pic>
+        <p:nvPicPr>
+          <p:cNvPr id="8" name="Picture 7"/>
+          <p:cNvPicPr>
+            <a:picLocks noChangeAspect="1"/>
+          </p:cNvPicPr>
+          <p:nvPr/>
+        </p:nvPicPr>
+        <p:blipFill>
+          <a:blip r:embed="rId3">
+            <a:extLst>
+              <a:ext uri="{28A0092B-C50C-407E-A947-70E740481C1C}">
+                <a14:useLocalDpi xmlns:a14="http://schemas.microsoft.com/office/drawing/2010/main" val="0"/>
+              </a:ext>
+            </a:extLst>
+          </a:blip>
+          <a:stretch>
+            <a:fillRect/>
+          </a:stretch>
+        </p:blipFill>
+        <p:spPr>
+          <a:xfrm>
+            <a:off x="5487251" y="2112057"/>
+            <a:ext cx="4252172" cy="2857500"/>
+          </a:xfrm>
+          <a:prstGeom prst="rect">
+            <a:avLst/>
+          </a:prstGeom>
+        </p:spPr>
+      </p:pic>
+      <p:pic>
+        <p:nvPicPr>
+          <p:cNvPr id="9" name="Picture 8"/>
+          <p:cNvPicPr>
+            <a:picLocks noChangeAspect="1"/>
+          </p:cNvPicPr>
+          <p:nvPr/>
+        </p:nvPicPr>
+        <p:blipFill>
+          <a:blip r:embed="rId4">
+            <a:extLst>
+              <a:ext uri="{28A0092B-C50C-407E-A947-70E740481C1C}">
+                <a14:useLocalDpi xmlns:a14="http://schemas.microsoft.com/office/drawing/2010/main" val="0"/>
+              </a:ext>
+            </a:extLst>
+          </a:blip>
+          <a:stretch>
+            <a:fillRect/>
+          </a:stretch>
+        </p:blipFill>
+        <p:spPr>
+          <a:xfrm>
+            <a:off x="5487251" y="5247448"/>
+            <a:ext cx="4252172" cy="898171"/>
+          </a:xfrm>
+          <a:prstGeom prst="rect">
+            <a:avLst/>
+          </a:prstGeom>
+        </p:spPr>
+      </p:pic>
     </p:spTree>
     <p:extLst>
       <p:ext uri="{BB962C8B-B14F-4D97-AF65-F5344CB8AC3E}">
-        <p14:creationId xmlns:p14="http://schemas.microsoft.com/office/powerpoint/2010/main" val="2315467700"/>
+        <p14:creationId xmlns:p14="http://schemas.microsoft.com/office/powerpoint/2010/main" val="3799936424"/>
       </p:ext>
     </p:extLst>
   </p:cSld>
   <p:clrMapOvr>
     <a:masterClrMapping/>
   </p:clrMapOvr>
-  <p:timing>
-    <p:tnLst>
-      <p:par>
-        <p:cTn id="1" dur="indefinite" restart="never" nodeType="tmRoot"/>
-      </p:par>
-    </p:tnLst>
-  </p:timing>
 </p:sld>
 </file>
 
@@ -8274,8 +9259,8 @@
           <a:lstStyle/>
           <a:p>
             <a:r>
-              <a:rPr lang="sr-Latn-RS" i="1" dirty="0" smtClean="0"/>
-              <a:t>Ideja</a:t>
+              <a:rPr lang="en-US" i="1" dirty="0" smtClean="0"/>
+              <a:t>Plan “A” 1</a:t>
             </a:r>
             <a:endParaRPr lang="en-US" i="1" dirty="0"/>
           </a:p>
@@ -8298,84 +9283,46 @@
           <a:p>
             <a:r>
               <a:rPr lang="sr-Latn-RS" dirty="0" smtClean="0"/>
-              <a:t>Osnovna ideja je:</a:t>
+              <a:t>Ideja:</a:t>
             </a:r>
           </a:p>
           <a:p>
             <a:pPr lvl="1"/>
             <a:r>
               <a:rPr lang="sr-Latn-RS" dirty="0" smtClean="0"/>
-              <a:t>dovesti neku sliku na ulaz,</a:t>
+              <a:t>Odabir regiona od interesa proverom srednje vrednosti boje</a:t>
+            </a:r>
+            <a:endParaRPr lang="sr-Latn-RS" dirty="0"/>
+          </a:p>
+          <a:p>
+            <a:r>
+              <a:rPr lang="sr-Latn-RS" dirty="0" smtClean="0"/>
+              <a:t>Problemi:</a:t>
             </a:r>
           </a:p>
           <a:p>
             <a:pPr lvl="1"/>
             <a:r>
-              <a:rPr lang="sr-Latn-RS" dirty="0"/>
-              <a:t>t</a:t>
-            </a:r>
-            <a:r>
               <a:rPr lang="sr-Latn-RS" dirty="0" smtClean="0"/>
-              <a:t>u sliku modifikovati, obraditi,</a:t>
+              <a:t>Izbrani razni regioni koji u stvari nisu saobraćajni znaci</a:t>
             </a:r>
           </a:p>
           <a:p>
             <a:pPr lvl="1"/>
-            <a:r>
-              <a:rPr lang="sr-Latn-RS" dirty="0" smtClean="0"/>
-              <a:t>pokušati prepoznati regione od interesa ,</a:t>
-            </a:r>
-          </a:p>
-          <a:p>
-            <a:pPr lvl="2"/>
-            <a:r>
-              <a:rPr lang="en-US" dirty="0" err="1" smtClean="0"/>
-              <a:t>ivice</a:t>
-            </a:r>
-            <a:r>
-              <a:rPr lang="en-US" dirty="0" smtClean="0"/>
-              <a:t> puta</a:t>
-            </a:r>
             <a:endParaRPr lang="sr-Latn-RS" dirty="0" smtClean="0"/>
-          </a:p>
-          <a:p>
-            <a:pPr lvl="2"/>
-            <a:r>
-              <a:rPr lang="en-US" dirty="0" err="1" smtClean="0"/>
-              <a:t>saobra</a:t>
-            </a:r>
-            <a:r>
-              <a:rPr lang="sr-Latn-RS" dirty="0" smtClean="0"/>
-              <a:t>ćajne znakove</a:t>
-            </a:r>
-          </a:p>
-          <a:p>
-            <a:pPr lvl="1"/>
-            <a:r>
-              <a:rPr lang="sr-Latn-RS" dirty="0" smtClean="0"/>
-              <a:t>na kraju ih markirati kao izlaz ukoliko su pronađeni</a:t>
-            </a:r>
-            <a:endParaRPr lang="en-US" dirty="0"/>
           </a:p>
         </p:txBody>
       </p:sp>
     </p:spTree>
     <p:extLst>
       <p:ext uri="{BB962C8B-B14F-4D97-AF65-F5344CB8AC3E}">
-        <p14:creationId xmlns:p14="http://schemas.microsoft.com/office/powerpoint/2010/main" val="3722886046"/>
+        <p14:creationId xmlns:p14="http://schemas.microsoft.com/office/powerpoint/2010/main" val="2343032044"/>
       </p:ext>
     </p:extLst>
   </p:cSld>
   <p:clrMapOvr>
     <a:masterClrMapping/>
   </p:clrMapOvr>
-  <p:timing>
-    <p:tnLst>
-      <p:par>
-        <p:cTn id="1" dur="indefinite" restart="never" nodeType="tmRoot"/>
-      </p:par>
-    </p:tnLst>
-  </p:timing>
 </p:sld>
 </file>
 
@@ -8412,37 +9359,35 @@
           <a:lstStyle/>
           <a:p>
             <a:r>
-              <a:rPr lang="sr-Latn-RS" i="1" dirty="0" smtClean="0"/>
-              <a:t>Slična rešenja u domenu projekta 1</a:t>
-            </a:r>
-            <a:endParaRPr lang="en-US" i="1" dirty="0"/>
+              <a:rPr lang="en-US" i="1" dirty="0"/>
+              <a:t>Plan </a:t>
+            </a:r>
+            <a:r>
+              <a:rPr lang="en-US" i="1" dirty="0" smtClean="0"/>
+              <a:t>“A” 2</a:t>
+            </a:r>
+            <a:endParaRPr lang="en-US" dirty="0"/>
           </a:p>
         </p:txBody>
       </p:sp>
       <p:pic>
         <p:nvPicPr>
-          <p:cNvPr id="6" name="Picture 5"/>
+          <p:cNvPr id="5" name="Picture 4"/>
           <p:cNvPicPr>
             <a:picLocks noChangeAspect="1"/>
           </p:cNvPicPr>
           <p:nvPr/>
         </p:nvPicPr>
         <p:blipFill>
-          <a:blip r:embed="rId2">
-            <a:extLst>
-              <a:ext uri="{28A0092B-C50C-407E-A947-70E740481C1C}">
-                <a14:useLocalDpi xmlns:a14="http://schemas.microsoft.com/office/drawing/2010/main" val="0"/>
-              </a:ext>
-            </a:extLst>
-          </a:blip>
+          <a:blip r:embed="rId2"/>
           <a:stretch>
             <a:fillRect/>
           </a:stretch>
         </p:blipFill>
         <p:spPr>
           <a:xfrm>
-            <a:off x="7739270" y="2478655"/>
-            <a:ext cx="4278596" cy="3413262"/>
+            <a:off x="5257278" y="2110613"/>
+            <a:ext cx="5410573" cy="4055129"/>
           </a:xfrm>
           <a:prstGeom prst="rect">
             <a:avLst/>
@@ -8451,80 +9396,40 @@
       </p:pic>
       <p:pic>
         <p:nvPicPr>
-          <p:cNvPr id="7" name="Picture 6"/>
+          <p:cNvPr id="7" name="Content Placeholder 6"/>
           <p:cNvPicPr>
-            <a:picLocks noChangeAspect="1"/>
+            <a:picLocks noGrp="1" noChangeAspect="1"/>
           </p:cNvPicPr>
-          <p:nvPr/>
+          <p:nvPr>
+            <p:ph idx="1"/>
+          </p:nvPr>
         </p:nvPicPr>
         <p:blipFill>
-          <a:blip r:embed="rId3">
-            <a:extLst>
-              <a:ext uri="{28A0092B-C50C-407E-A947-70E740481C1C}">
-                <a14:useLocalDpi xmlns:a14="http://schemas.microsoft.com/office/drawing/2010/main" val="0"/>
-              </a:ext>
-            </a:extLst>
-          </a:blip>
+          <a:blip r:embed="rId3"/>
           <a:stretch>
             <a:fillRect/>
           </a:stretch>
         </p:blipFill>
         <p:spPr>
           <a:xfrm>
-            <a:off x="3891089" y="2478655"/>
-            <a:ext cx="3549776" cy="3429000"/>
+            <a:off x="680320" y="2110613"/>
+            <a:ext cx="4189391" cy="4257373"/>
           </a:xfrm>
           <a:prstGeom prst="rect">
             <a:avLst/>
           </a:prstGeom>
-        </p:spPr>
-      </p:pic>
-      <p:pic>
-        <p:nvPicPr>
-          <p:cNvPr id="9" name="Content Placeholder 8"/>
-          <p:cNvPicPr>
-            <a:picLocks noGrp="1" noChangeAspect="1"/>
-          </p:cNvPicPr>
-          <p:nvPr>
-            <p:ph idx="1"/>
-          </p:nvPr>
-        </p:nvPicPr>
-        <p:blipFill>
-          <a:blip r:embed="rId4">
-            <a:extLst>
-              <a:ext uri="{28A0092B-C50C-407E-A947-70E740481C1C}">
-                <a14:useLocalDpi xmlns:a14="http://schemas.microsoft.com/office/drawing/2010/main" val="0"/>
-              </a:ext>
-            </a:extLst>
-          </a:blip>
-          <a:stretch>
-            <a:fillRect/>
-          </a:stretch>
-        </p:blipFill>
-        <p:spPr>
-          <a:xfrm>
-            <a:off x="224287" y="2462917"/>
-            <a:ext cx="3263179" cy="3429000"/>
-          </a:xfrm>
         </p:spPr>
       </p:pic>
     </p:spTree>
     <p:extLst>
       <p:ext uri="{BB962C8B-B14F-4D97-AF65-F5344CB8AC3E}">
-        <p14:creationId xmlns:p14="http://schemas.microsoft.com/office/powerpoint/2010/main" val="2290102734"/>
+        <p14:creationId xmlns:p14="http://schemas.microsoft.com/office/powerpoint/2010/main" val="2534536253"/>
       </p:ext>
     </p:extLst>
   </p:cSld>
   <p:clrMapOvr>
     <a:masterClrMapping/>
   </p:clrMapOvr>
-  <p:timing>
-    <p:tnLst>
-      <p:par>
-        <p:cTn id="1" dur="indefinite" restart="never" nodeType="tmRoot"/>
-      </p:par>
-    </p:tnLst>
-  </p:timing>
 </p:sld>
 </file>
 
@@ -8561,12 +9466,12 @@
           <a:lstStyle/>
           <a:p>
             <a:r>
-              <a:rPr lang="sr-Latn-RS" i="1" dirty="0"/>
-              <a:t>Slična rešenja u domenu projekta </a:t>
-            </a:r>
-            <a:r>
-              <a:rPr lang="sr-Latn-RS" i="1" dirty="0" smtClean="0"/>
-              <a:t>2</a:t>
+              <a:rPr lang="en-US" i="1" dirty="0"/>
+              <a:t>Plan </a:t>
+            </a:r>
+            <a:r>
+              <a:rPr lang="en-US" i="1" dirty="0" smtClean="0"/>
+              <a:t>“A” 3</a:t>
             </a:r>
             <a:endParaRPr lang="en-US" dirty="0"/>
           </a:p>
@@ -8583,21 +9488,15 @@
           </p:nvPr>
         </p:nvPicPr>
         <p:blipFill>
-          <a:blip r:embed="rId2">
-            <a:extLst>
-              <a:ext uri="{28A0092B-C50C-407E-A947-70E740481C1C}">
-                <a14:useLocalDpi xmlns:a14="http://schemas.microsoft.com/office/drawing/2010/main" val="0"/>
-              </a:ext>
-            </a:extLst>
-          </a:blip>
+          <a:blip r:embed="rId2"/>
           <a:stretch>
             <a:fillRect/>
           </a:stretch>
         </p:blipFill>
         <p:spPr>
           <a:xfrm>
-            <a:off x="228914" y="2766786"/>
-            <a:ext cx="3657286" cy="3070315"/>
+            <a:off x="680321" y="2133574"/>
+            <a:ext cx="5621616" cy="4376248"/>
           </a:xfrm>
           <a:prstGeom prst="rect">
             <a:avLst/>
@@ -8613,51 +9512,15 @@
           <p:nvPr/>
         </p:nvPicPr>
         <p:blipFill>
-          <a:blip r:embed="rId3">
-            <a:extLst>
-              <a:ext uri="{28A0092B-C50C-407E-A947-70E740481C1C}">
-                <a14:useLocalDpi xmlns:a14="http://schemas.microsoft.com/office/drawing/2010/main" val="0"/>
-              </a:ext>
-            </a:extLst>
-          </a:blip>
+          <a:blip r:embed="rId3"/>
           <a:stretch>
             <a:fillRect/>
           </a:stretch>
         </p:blipFill>
         <p:spPr>
           <a:xfrm>
-            <a:off x="7820338" y="2766786"/>
-            <a:ext cx="4245672" cy="3005363"/>
-          </a:xfrm>
-          <a:prstGeom prst="rect">
-            <a:avLst/>
-          </a:prstGeom>
-        </p:spPr>
-      </p:pic>
-      <p:pic>
-        <p:nvPicPr>
-          <p:cNvPr id="6" name="Picture 5"/>
-          <p:cNvPicPr>
-            <a:picLocks noChangeAspect="1"/>
-          </p:cNvPicPr>
-          <p:nvPr/>
-        </p:nvPicPr>
-        <p:blipFill>
-          <a:blip r:embed="rId4" cstate="print">
-            <a:extLst>
-              <a:ext uri="{28A0092B-C50C-407E-A947-70E740481C1C}">
-                <a14:useLocalDpi xmlns:a14="http://schemas.microsoft.com/office/drawing/2010/main" val="0"/>
-              </a:ext>
-            </a:extLst>
-          </a:blip>
-          <a:stretch>
-            <a:fillRect/>
-          </a:stretch>
-        </p:blipFill>
-        <p:spPr>
-          <a:xfrm>
-            <a:off x="3991302" y="2766786"/>
-            <a:ext cx="3723933" cy="3390899"/>
+            <a:off x="6603002" y="3116258"/>
+            <a:ext cx="4850800" cy="3393564"/>
           </a:xfrm>
           <a:prstGeom prst="rect">
             <a:avLst/>
@@ -8667,20 +9530,13 @@
     </p:spTree>
     <p:extLst>
       <p:ext uri="{BB962C8B-B14F-4D97-AF65-F5344CB8AC3E}">
-        <p14:creationId xmlns:p14="http://schemas.microsoft.com/office/powerpoint/2010/main" val="1980784546"/>
+        <p14:creationId xmlns:p14="http://schemas.microsoft.com/office/powerpoint/2010/main" val="3534485420"/>
       </p:ext>
     </p:extLst>
   </p:cSld>
   <p:clrMapOvr>
     <a:masterClrMapping/>
   </p:clrMapOvr>
-  <p:timing>
-    <p:tnLst>
-      <p:par>
-        <p:cTn id="1" dur="indefinite" restart="never" nodeType="tmRoot"/>
-      </p:par>
-    </p:tnLst>
-  </p:timing>
 </p:sld>
 </file>
 
@@ -8717,116 +9573,49 @@
           <a:lstStyle/>
           <a:p>
             <a:r>
-              <a:rPr lang="sr-Latn-RS" i="1" dirty="0" smtClean="0"/>
-              <a:t>Koraci implementacije</a:t>
+              <a:rPr lang="en-US" i="1" dirty="0" smtClean="0"/>
+              <a:t>Plan “A” 4</a:t>
             </a:r>
             <a:endParaRPr lang="en-US" i="1" dirty="0"/>
           </a:p>
         </p:txBody>
       </p:sp>
-      <p:sp>
-        <p:nvSpPr>
-          <p:cNvPr id="3" name="Content Placeholder 2"/>
-          <p:cNvSpPr>
-            <a:spLocks noGrp="1"/>
-          </p:cNvSpPr>
+      <p:pic>
+        <p:nvPicPr>
+          <p:cNvPr id="4" name="Content Placeholder 3"/>
+          <p:cNvPicPr>
+            <a:picLocks noGrp="1" noChangeAspect="1"/>
+          </p:cNvPicPr>
           <p:nvPr>
             <p:ph idx="1"/>
           </p:nvPr>
-        </p:nvSpPr>
-        <p:spPr/>
-        <p:txBody>
-          <a:bodyPr>
-            <a:normAutofit lnSpcReduction="10000"/>
-          </a:bodyPr>
-          <a:lstStyle/>
-          <a:p>
-            <a:r>
-              <a:rPr lang="sr-Latn-RS" dirty="0" smtClean="0"/>
-              <a:t>Učitavanje originalne slike</a:t>
-            </a:r>
-          </a:p>
-          <a:p>
-            <a:r>
-              <a:rPr lang="sr-Latn-RS" dirty="0" smtClean="0"/>
-              <a:t>Formiranje binarne slike</a:t>
-            </a:r>
-          </a:p>
-          <a:p>
-            <a:r>
-              <a:rPr lang="sr-Latn-RS" dirty="0" smtClean="0"/>
-              <a:t>Threshold</a:t>
-            </a:r>
-          </a:p>
-          <a:p>
-            <a:r>
-              <a:rPr lang="sr-Latn-RS" dirty="0" smtClean="0"/>
-              <a:t>Uklanjanje šuma</a:t>
-            </a:r>
-          </a:p>
-          <a:p>
-            <a:r>
-              <a:rPr lang="sr-Latn-RS" dirty="0" smtClean="0"/>
-              <a:t>Selektovanje regiona od interesa za detekciju znakova</a:t>
-            </a:r>
-          </a:p>
-          <a:p>
-            <a:r>
-              <a:rPr lang="sr-Latn-RS" dirty="0" smtClean="0"/>
-              <a:t>Upotreba „</a:t>
-            </a:r>
-            <a:r>
-              <a:rPr lang="en-US" b="1" dirty="0" smtClean="0"/>
-              <a:t>Hough </a:t>
-            </a:r>
-            <a:r>
-              <a:rPr lang="en-US" b="1" dirty="0"/>
-              <a:t>Line </a:t>
-            </a:r>
-            <a:r>
-              <a:rPr lang="en-US" b="1" dirty="0" smtClean="0"/>
-              <a:t>Transform</a:t>
-            </a:r>
-            <a:r>
-              <a:rPr lang="sr-Latn-RS" b="1" dirty="0" smtClean="0"/>
-              <a:t>“ za detekciju ivica</a:t>
-            </a:r>
-          </a:p>
-          <a:p>
-            <a:r>
-              <a:rPr lang="sr-Latn-RS" b="1" dirty="0" smtClean="0"/>
-              <a:t>Obučiti neuronsku mrežu znacima</a:t>
-            </a:r>
-          </a:p>
-          <a:p>
-            <a:r>
-              <a:rPr lang="sr-Latn-RS" b="1" dirty="0" smtClean="0"/>
-              <a:t>Prikaz rezultata</a:t>
-            </a:r>
-            <a:endParaRPr lang="en-US" b="1" dirty="0"/>
-          </a:p>
-          <a:p>
-            <a:endParaRPr lang="en-US" dirty="0"/>
-          </a:p>
-        </p:txBody>
-      </p:sp>
+        </p:nvPicPr>
+        <p:blipFill>
+          <a:blip r:embed="rId2"/>
+          <a:stretch>
+            <a:fillRect/>
+          </a:stretch>
+        </p:blipFill>
+        <p:spPr>
+          <a:xfrm>
+            <a:off x="680321" y="2294270"/>
+            <a:ext cx="5127583" cy="3598863"/>
+          </a:xfrm>
+          <a:prstGeom prst="rect">
+            <a:avLst/>
+          </a:prstGeom>
+        </p:spPr>
+      </p:pic>
     </p:spTree>
     <p:extLst>
       <p:ext uri="{BB962C8B-B14F-4D97-AF65-F5344CB8AC3E}">
-        <p14:creationId xmlns:p14="http://schemas.microsoft.com/office/powerpoint/2010/main" val="3906575780"/>
+        <p14:creationId xmlns:p14="http://schemas.microsoft.com/office/powerpoint/2010/main" val="4212682560"/>
       </p:ext>
     </p:extLst>
   </p:cSld>
   <p:clrMapOvr>
     <a:masterClrMapping/>
   </p:clrMapOvr>
-  <p:timing>
-    <p:tnLst>
-      <p:par>
-        <p:cTn id="1" dur="indefinite" restart="never" nodeType="tmRoot"/>
-      </p:par>
-    </p:tnLst>
-  </p:timing>
 </p:sld>
 </file>
 
@@ -8863,8 +9652,8 @@
           <a:lstStyle/>
           <a:p>
             <a:r>
-              <a:rPr lang="en-US" b="1" i="1" dirty="0" smtClean="0"/>
-              <a:t>Hough Line Transform</a:t>
+              <a:rPr lang="en-US" i="1" dirty="0" smtClean="0"/>
+              <a:t>Plan “B” 1</a:t>
             </a:r>
             <a:endParaRPr lang="en-US" i="1" dirty="0"/>
           </a:p>
@@ -8886,12 +9675,19 @@
           <a:lstStyle/>
           <a:p>
             <a:r>
-              <a:rPr lang="en-US" dirty="0" smtClean="0"/>
-              <a:t>To je </a:t>
+              <a:rPr lang="sr-Latn-RS" dirty="0"/>
+              <a:t>Ideja:</a:t>
+            </a:r>
+          </a:p>
+          <a:p>
+            <a:pPr lvl="1"/>
+            <a:r>
+              <a:rPr lang="sr-Latn-RS" dirty="0"/>
+              <a:t>Odabir regiona od interesa </a:t>
             </a:r>
             <a:r>
               <a:rPr lang="en-US" dirty="0" err="1" smtClean="0"/>
-              <a:t>transformacija</a:t>
+              <a:t>na</a:t>
             </a:r>
             <a:r>
               <a:rPr lang="en-US" dirty="0" smtClean="0"/>
@@ -8899,15 +9695,7 @@
             </a:r>
             <a:r>
               <a:rPr lang="en-US" dirty="0" err="1" smtClean="0"/>
-              <a:t>koja</a:t>
-            </a:r>
-            <a:r>
-              <a:rPr lang="en-US" dirty="0" smtClean="0"/>
-              <a:t> se </a:t>
-            </a:r>
-            <a:r>
-              <a:rPr lang="en-US" dirty="0" err="1" smtClean="0"/>
-              <a:t>koristi</a:t>
+              <a:t>osnovu</a:t>
             </a:r>
             <a:r>
               <a:rPr lang="en-US" dirty="0" smtClean="0"/>
@@ -8915,7 +9703,7 @@
             </a:r>
             <a:r>
               <a:rPr lang="en-US" dirty="0" err="1" smtClean="0"/>
-              <a:t>za</a:t>
+              <a:t>oblika</a:t>
             </a:r>
             <a:r>
               <a:rPr lang="en-US" dirty="0" smtClean="0"/>
@@ -8923,7 +9711,25 @@
             </a:r>
             <a:r>
               <a:rPr lang="en-US" dirty="0" err="1" smtClean="0"/>
-              <a:t>detektovanje</a:t>
+              <a:t>konture</a:t>
+            </a:r>
+            <a:endParaRPr lang="sr-Latn-RS" dirty="0"/>
+          </a:p>
+          <a:p>
+            <a:r>
+              <a:rPr lang="sr-Latn-RS" dirty="0"/>
+              <a:t>Problemi:</a:t>
+            </a:r>
+          </a:p>
+          <a:p>
+            <a:pPr lvl="1"/>
+            <a:r>
+              <a:rPr lang="en-US" dirty="0" err="1" smtClean="0"/>
+              <a:t>Te</a:t>
+            </a:r>
+            <a:r>
+              <a:rPr lang="sr-Latn-RS" dirty="0" smtClean="0"/>
+              <a:t>ško podesiv threshold</a:t>
             </a:r>
             <a:r>
               <a:rPr lang="en-US" dirty="0" smtClean="0"/>
@@ -8931,90 +9737,56 @@
             </a:r>
             <a:r>
               <a:rPr lang="en-US" dirty="0" err="1" smtClean="0"/>
-              <a:t>pravih</a:t>
+              <a:t>i</a:t>
+            </a:r>
+            <a:r>
+              <a:rPr lang="sr-Latn-RS" dirty="0" smtClean="0"/>
+              <a:t> kernel</a:t>
+            </a:r>
+            <a:r>
+              <a:rPr lang="en-US" dirty="0" err="1" smtClean="0"/>
+              <a:t>i</a:t>
+            </a:r>
+            <a:r>
+              <a:rPr lang="sr-Latn-RS" dirty="0" smtClean="0"/>
+              <a:t> erozije i dilatacije</a:t>
+            </a:r>
+          </a:p>
+          <a:p>
+            <a:pPr lvl="1"/>
+            <a:r>
+              <a:rPr lang="sr-Latn-RS" dirty="0" smtClean="0"/>
+              <a:t>Potrebna upotreba mas</a:t>
             </a:r>
             <a:r>
               <a:rPr lang="en-US" dirty="0" smtClean="0"/>
-              <a:t> </a:t>
-            </a:r>
-            <a:r>
-              <a:rPr lang="en-US" dirty="0" err="1" smtClean="0"/>
-              <a:t>linija</a:t>
-            </a:r>
-            <a:endParaRPr lang="en-US" dirty="0" smtClean="0"/>
-          </a:p>
-          <a:p>
-            <a:r>
-              <a:rPr lang="en-US" dirty="0" smtClean="0"/>
-              <a:t>Da bi se </a:t>
-            </a:r>
-            <a:r>
-              <a:rPr lang="en-US" dirty="0" err="1" smtClean="0"/>
-              <a:t>primenila</a:t>
-            </a:r>
-            <a:r>
-              <a:rPr lang="en-US" dirty="0" smtClean="0"/>
-              <a:t> </a:t>
-            </a:r>
-            <a:r>
-              <a:rPr lang="en-US" dirty="0" err="1" smtClean="0"/>
-              <a:t>po</a:t>
+              <a:t>k</a:t>
             </a:r>
             <a:r>
               <a:rPr lang="sr-Latn-RS" dirty="0" smtClean="0"/>
-              <a:t>željna je prethodna obrada</a:t>
-            </a:r>
+              <a:t>e na HSV slici</a:t>
+            </a:r>
+            <a:endParaRPr lang="sr-Latn-RS" dirty="0"/>
+          </a:p>
+          <a:p>
+            <a:pPr lvl="1"/>
+            <a:endParaRPr lang="sr-Latn-RS" dirty="0"/>
+          </a:p>
+          <a:p>
             <a:endParaRPr lang="en-US" dirty="0"/>
           </a:p>
         </p:txBody>
       </p:sp>
-      <p:pic>
-        <p:nvPicPr>
-          <p:cNvPr id="4" name="Picture 3"/>
-          <p:cNvPicPr>
-            <a:picLocks noChangeAspect="1"/>
-          </p:cNvPicPr>
-          <p:nvPr/>
-        </p:nvPicPr>
-        <p:blipFill>
-          <a:blip r:embed="rId2">
-            <a:extLst>
-              <a:ext uri="{28A0092B-C50C-407E-A947-70E740481C1C}">
-                <a14:useLocalDpi xmlns:a14="http://schemas.microsoft.com/office/drawing/2010/main" val="0"/>
-              </a:ext>
-            </a:extLst>
-          </a:blip>
-          <a:stretch>
-            <a:fillRect/>
-          </a:stretch>
-        </p:blipFill>
-        <p:spPr>
-          <a:xfrm>
-            <a:off x="833647" y="3370789"/>
-            <a:ext cx="3175000" cy="2565400"/>
-          </a:xfrm>
-          <a:prstGeom prst="rect">
-            <a:avLst/>
-          </a:prstGeom>
-        </p:spPr>
-      </p:pic>
     </p:spTree>
     <p:extLst>
       <p:ext uri="{BB962C8B-B14F-4D97-AF65-F5344CB8AC3E}">
-        <p14:creationId xmlns:p14="http://schemas.microsoft.com/office/powerpoint/2010/main" val="2766970218"/>
+        <p14:creationId xmlns:p14="http://schemas.microsoft.com/office/powerpoint/2010/main" val="857042156"/>
       </p:ext>
     </p:extLst>
   </p:cSld>
   <p:clrMapOvr>
     <a:masterClrMapping/>
   </p:clrMapOvr>
-  <p:timing>
-    <p:tnLst>
-      <p:par>
-        <p:cTn id="1" dur="indefinite" restart="never" nodeType="tmRoot"/>
-      </p:par>
-    </p:tnLst>
-  </p:timing>
 </p:sld>
 </file>
 
@@ -9052,7 +9824,11 @@
           <a:p>
             <a:r>
               <a:rPr lang="sr-Latn-RS" i="1" dirty="0" smtClean="0"/>
-              <a:t>Kraj</a:t>
+              <a:t>Plan </a:t>
+            </a:r>
+            <a:r>
+              <a:rPr lang="en-US" i="1" dirty="0" smtClean="0"/>
+              <a:t>“B” 2</a:t>
             </a:r>
             <a:endParaRPr lang="en-US" i="1" dirty="0"/>
           </a:p>
@@ -9069,41 +9845,101 @@
           </p:nvPr>
         </p:nvPicPr>
         <p:blipFill>
-          <a:blip r:embed="rId2">
-            <a:extLst>
-              <a:ext uri="{28A0092B-C50C-407E-A947-70E740481C1C}">
-                <a14:useLocalDpi xmlns:a14="http://schemas.microsoft.com/office/drawing/2010/main" val="0"/>
-              </a:ext>
-            </a:extLst>
-          </a:blip>
+          <a:blip r:embed="rId2"/>
           <a:stretch>
             <a:fillRect/>
           </a:stretch>
         </p:blipFill>
         <p:spPr>
           <a:xfrm>
-            <a:off x="4001083" y="2041306"/>
-            <a:ext cx="3538404" cy="4720289"/>
-          </a:xfrm>
+            <a:off x="442462" y="2020185"/>
+            <a:ext cx="4353242" cy="4423883"/>
+          </a:xfrm>
+          <a:prstGeom prst="rect">
+            <a:avLst/>
+          </a:prstGeom>
         </p:spPr>
       </p:pic>
+      <p:pic>
+        <p:nvPicPr>
+          <p:cNvPr id="5" name="Picture 4"/>
+          <p:cNvPicPr>
+            <a:picLocks noChangeAspect="1"/>
+          </p:cNvPicPr>
+          <p:nvPr/>
+        </p:nvPicPr>
+        <p:blipFill>
+          <a:blip r:embed="rId3"/>
+          <a:stretch>
+            <a:fillRect/>
+          </a:stretch>
+        </p:blipFill>
+        <p:spPr>
+          <a:xfrm>
+            <a:off x="5069701" y="2020185"/>
+            <a:ext cx="5584122" cy="4185201"/>
+          </a:xfrm>
+          <a:prstGeom prst="rect">
+            <a:avLst/>
+          </a:prstGeom>
+        </p:spPr>
+      </p:pic>
+      <p:sp>
+        <p:nvSpPr>
+          <p:cNvPr id="6" name="TextBox 5"/>
+          <p:cNvSpPr txBox="1"/>
+          <p:nvPr/>
+        </p:nvSpPr>
+        <p:spPr>
+          <a:xfrm>
+            <a:off x="5069701" y="6391405"/>
+            <a:ext cx="3530009" cy="369332"/>
+          </a:xfrm>
+          <a:prstGeom prst="rect">
+            <a:avLst/>
+          </a:prstGeom>
+          <a:noFill/>
+        </p:spPr>
+        <p:txBody>
+          <a:bodyPr wrap="square" rtlCol="0">
+            <a:spAutoFit/>
+          </a:bodyPr>
+          <a:lstStyle/>
+          <a:p>
+            <a:r>
+              <a:rPr lang="en-US" dirty="0" err="1" smtClean="0"/>
+              <a:t>Nema</a:t>
+            </a:r>
+            <a:r>
+              <a:rPr lang="en-US" dirty="0" smtClean="0"/>
+              <a:t> </a:t>
+            </a:r>
+            <a:r>
+              <a:rPr lang="en-US" dirty="0" err="1" smtClean="0"/>
+              <a:t>selektovanih</a:t>
+            </a:r>
+            <a:r>
+              <a:rPr lang="en-US" dirty="0" smtClean="0"/>
+              <a:t> </a:t>
+            </a:r>
+            <a:r>
+              <a:rPr lang="en-US" dirty="0" err="1" smtClean="0"/>
+              <a:t>regiona</a:t>
+            </a:r>
+            <a:endParaRPr lang="en-US" dirty="0"/>
+          </a:p>
+        </p:txBody>
+      </p:sp>
     </p:spTree>
     <p:extLst>
       <p:ext uri="{BB962C8B-B14F-4D97-AF65-F5344CB8AC3E}">
-        <p14:creationId xmlns:p14="http://schemas.microsoft.com/office/powerpoint/2010/main" val="908715400"/>
+        <p14:creationId xmlns:p14="http://schemas.microsoft.com/office/powerpoint/2010/main" val="3833427989"/>
       </p:ext>
     </p:extLst>
   </p:cSld>
   <p:clrMapOvr>
     <a:masterClrMapping/>
   </p:clrMapOvr>
-  <p:timing>
-    <p:tnLst>
-      <p:par>
-        <p:cTn id="1" dur="indefinite" restart="never" nodeType="tmRoot"/>
-      </p:par>
-    </p:tnLst>
-  </p:timing>
 </p:sld>
 </file>
 
